--- a/UserAsACase/user_as_a_case.pptx
+++ b/UserAsACase/user_as_a_case.pptx
@@ -3220,11 +3220,21 @@
             </a:pPr>
             <a:r>
               <a:rPr lang="en-US" dirty="0" smtClean="0"/>
-              <a:t>Use the User Case to record how </a:t>
+              <a:t>Use the User Case to record how many children a worker has registered</a:t>
+            </a:r>
+          </a:p>
+          <a:p>
+            <a:pPr marL="457200" indent="-457200">
+              <a:buFont typeface="+mj-lt"/>
+              <a:buAutoNum type="arabicPeriod"/>
+            </a:pPr>
+            <a:r>
+              <a:rPr lang="en-US" dirty="0" smtClean="0"/>
+              <a:t>Output that value as </a:t>
             </a:r>
             <a:r>
               <a:rPr lang="en-US" smtClean="0"/>
-              <a:t>many children a worker has registered</a:t>
+              <a:t>a label at the end of the form</a:t>
             </a:r>
             <a:endParaRPr lang="en-US" dirty="0" smtClean="0"/>
           </a:p>

--- a/UserAsACase/user_as_a_case.pptx
+++ b/UserAsACase/user_as_a_case.pptx
@@ -5,10 +5,10 @@
     <p:sldMasterId id="2147483648" r:id="rId1"/>
   </p:sldMasterIdLst>
   <p:notesMasterIdLst>
-    <p:notesMasterId r:id="rId8"/>
+    <p:notesMasterId r:id="rId10"/>
   </p:notesMasterIdLst>
   <p:handoutMasterIdLst>
-    <p:handoutMasterId r:id="rId9"/>
+    <p:handoutMasterId r:id="rId11"/>
   </p:handoutMasterIdLst>
   <p:sldIdLst>
     <p:sldId id="258" r:id="rId2"/>
@@ -17,6 +17,8 @@
     <p:sldId id="263" r:id="rId5"/>
     <p:sldId id="262" r:id="rId6"/>
     <p:sldId id="261" r:id="rId7"/>
+    <p:sldId id="264" r:id="rId8"/>
+    <p:sldId id="265" r:id="rId9"/>
   </p:sldIdLst>
   <p:sldSz cx="9144000" cy="6858000" type="screen4x3"/>
   <p:notesSz cx="6858000" cy="9296400"/>
@@ -3230,11 +3232,7 @@
             </a:pPr>
             <a:r>
               <a:rPr lang="en-US" dirty="0" smtClean="0"/>
-              <a:t>Output that value as </a:t>
-            </a:r>
-            <a:r>
-              <a:rPr lang="en-US" smtClean="0"/>
-              <a:t>a label at the end of the form</a:t>
+              <a:t>Output that value as a label at the end of the form</a:t>
             </a:r>
             <a:endParaRPr lang="en-US" dirty="0" smtClean="0"/>
           </a:p>
@@ -3244,6 +3242,216 @@
     <p:extLst>
       <p:ext uri="{BB962C8B-B14F-4D97-AF65-F5344CB8AC3E}">
         <p14:creationId xmlns:p14="http://schemas.microsoft.com/office/powerpoint/2010/main" val="796572541"/>
+      </p:ext>
+    </p:extLst>
+  </p:cSld>
+  <p:clrMapOvr>
+    <a:masterClrMapping/>
+  </p:clrMapOvr>
+</p:sld>
+</file>
+
+<file path=ppt/slides/slide7.xml><?xml version="1.0" encoding="utf-8"?>
+<p:sld xmlns:a="http://schemas.openxmlformats.org/drawingml/2006/main" xmlns:r="http://schemas.openxmlformats.org/officeDocument/2006/relationships" xmlns:p="http://schemas.openxmlformats.org/presentationml/2006/main">
+  <p:cSld>
+    <p:spTree>
+      <p:nvGrpSpPr>
+        <p:cNvPr id="1" name=""/>
+        <p:cNvGrpSpPr/>
+        <p:nvPr/>
+      </p:nvGrpSpPr>
+      <p:grpSpPr>
+        <a:xfrm>
+          <a:off x="0" y="0"/>
+          <a:ext cx="0" cy="0"/>
+          <a:chOff x="0" y="0"/>
+          <a:chExt cx="0" cy="0"/>
+        </a:xfrm>
+      </p:grpSpPr>
+      <p:sp>
+        <p:nvSpPr>
+          <p:cNvPr id="2" name="Title 1"/>
+          <p:cNvSpPr>
+            <a:spLocks noGrp="1"/>
+          </p:cNvSpPr>
+          <p:nvPr>
+            <p:ph type="title"/>
+          </p:nvPr>
+        </p:nvSpPr>
+        <p:spPr/>
+        <p:txBody>
+          <a:bodyPr/>
+          <a:lstStyle/>
+          <a:p>
+            <a:r>
+              <a:rPr lang="en-US" dirty="0" smtClean="0"/>
+              <a:t>Custom User Data</a:t>
+            </a:r>
+            <a:endParaRPr lang="en-US" dirty="0"/>
+          </a:p>
+        </p:txBody>
+      </p:sp>
+    </p:spTree>
+    <p:extLst>
+      <p:ext uri="{BB962C8B-B14F-4D97-AF65-F5344CB8AC3E}">
+        <p14:creationId xmlns:p14="http://schemas.microsoft.com/office/powerpoint/2010/main" val="1798377897"/>
+      </p:ext>
+    </p:extLst>
+  </p:cSld>
+  <p:clrMapOvr>
+    <a:masterClrMapping/>
+  </p:clrMapOvr>
+  <p:transition advClick="0"/>
+</p:sld>
+</file>
+
+<file path=ppt/slides/slide8.xml><?xml version="1.0" encoding="utf-8"?>
+<p:sld xmlns:a="http://schemas.openxmlformats.org/drawingml/2006/main" xmlns:r="http://schemas.openxmlformats.org/officeDocument/2006/relationships" xmlns:p="http://schemas.openxmlformats.org/presentationml/2006/main">
+  <p:cSld>
+    <p:spTree>
+      <p:nvGrpSpPr>
+        <p:cNvPr id="1" name=""/>
+        <p:cNvGrpSpPr/>
+        <p:nvPr/>
+      </p:nvGrpSpPr>
+      <p:grpSpPr>
+        <a:xfrm>
+          <a:off x="0" y="0"/>
+          <a:ext cx="0" cy="0"/>
+          <a:chOff x="0" y="0"/>
+          <a:chExt cx="0" cy="0"/>
+        </a:xfrm>
+      </p:grpSpPr>
+      <p:sp>
+        <p:nvSpPr>
+          <p:cNvPr id="2" name="Title 1"/>
+          <p:cNvSpPr>
+            <a:spLocks noGrp="1"/>
+          </p:cNvSpPr>
+          <p:nvPr>
+            <p:ph type="title"/>
+          </p:nvPr>
+        </p:nvSpPr>
+        <p:spPr/>
+        <p:txBody>
+          <a:bodyPr/>
+          <a:lstStyle/>
+          <a:p>
+            <a:r>
+              <a:rPr lang="en-US" dirty="0" smtClean="0"/>
+              <a:t>Very similar to User as a Case</a:t>
+            </a:r>
+            <a:endParaRPr lang="en-US" dirty="0"/>
+          </a:p>
+        </p:txBody>
+      </p:sp>
+      <p:sp>
+        <p:nvSpPr>
+          <p:cNvPr id="3" name="Content Placeholder 2"/>
+          <p:cNvSpPr>
+            <a:spLocks noGrp="1"/>
+          </p:cNvSpPr>
+          <p:nvPr>
+            <p:ph idx="1"/>
+          </p:nvPr>
+        </p:nvSpPr>
+        <p:spPr/>
+        <p:txBody>
+          <a:bodyPr/>
+          <a:lstStyle/>
+          <a:p>
+            <a:r>
+              <a:rPr lang="en-US" dirty="0" smtClean="0"/>
+              <a:t>Predates User as a Case</a:t>
+            </a:r>
+          </a:p>
+          <a:p>
+            <a:r>
+              <a:rPr lang="en-US" dirty="0" smtClean="0"/>
+              <a:t>Cannot be modified with a form</a:t>
+            </a:r>
+          </a:p>
+          <a:p>
+            <a:r>
+              <a:rPr lang="en-US" dirty="0" smtClean="0"/>
+              <a:t>Can be accessed like this:</a:t>
+            </a:r>
+          </a:p>
+          <a:p>
+            <a:pPr marL="0" indent="0">
+              <a:buNone/>
+            </a:pPr>
+            <a:r>
+              <a:rPr lang="en-US" dirty="0"/>
+              <a:t>instance('</a:t>
+            </a:r>
+            <a:r>
+              <a:rPr lang="en-US" dirty="0" err="1"/>
+              <a:t>commcaresession</a:t>
+            </a:r>
+            <a:r>
+              <a:rPr lang="en-US" dirty="0"/>
+              <a:t>')/session/user/data</a:t>
+            </a:r>
+            <a:r>
+              <a:rPr lang="en-US" dirty="0" smtClean="0"/>
+              <a:t>/&lt;property name&gt;</a:t>
+            </a:r>
+          </a:p>
+          <a:p>
+            <a:pPr marL="0" indent="0">
+              <a:buNone/>
+            </a:pPr>
+            <a:endParaRPr lang="en-US" dirty="0"/>
+          </a:p>
+          <a:p>
+            <a:pPr marL="0" indent="0">
+              <a:buNone/>
+            </a:pPr>
+            <a:endParaRPr lang="en-US" dirty="0" smtClean="0"/>
+          </a:p>
+          <a:p>
+            <a:pPr marL="0" indent="0">
+              <a:buNone/>
+            </a:pPr>
+            <a:endParaRPr lang="en-US" dirty="0"/>
+          </a:p>
+          <a:p>
+            <a:pPr marL="0" indent="0">
+              <a:buNone/>
+            </a:pPr>
+            <a:endParaRPr lang="en-US" dirty="0" smtClean="0"/>
+          </a:p>
+          <a:p>
+            <a:pPr marL="0" indent="0">
+              <a:buNone/>
+            </a:pPr>
+            <a:endParaRPr lang="en-US" dirty="0"/>
+          </a:p>
+          <a:p>
+            <a:pPr marL="0" indent="0">
+              <a:buNone/>
+            </a:pPr>
+            <a:r>
+              <a:rPr lang="en-US" dirty="0"/>
+              <a:t>Docs: http://</a:t>
+            </a:r>
+            <a:r>
+              <a:rPr lang="en-US" dirty="0" err="1"/>
+              <a:t>bit.ly</a:t>
+            </a:r>
+            <a:r>
+              <a:rPr lang="en-US"/>
+              <a:t>/1N0Etgw</a:t>
+            </a:r>
+            <a:endParaRPr lang="en-US" dirty="0"/>
+          </a:p>
+        </p:txBody>
+      </p:sp>
+    </p:spTree>
+    <p:extLst>
+      <p:ext uri="{BB962C8B-B14F-4D97-AF65-F5344CB8AC3E}">
+        <p14:creationId xmlns:p14="http://schemas.microsoft.com/office/powerpoint/2010/main" val="1995265104"/>
       </p:ext>
     </p:extLst>
   </p:cSld>
